--- a/BackEnd/01_Node/BackEnd_01_Node.pptx
+++ b/BackEnd/01_Node/BackEnd_01_Node.pptx
@@ -320,7 +320,7 @@
             <a:fld id="{1D8BD707-D9CF-40AE-B4C6-C98DA3205C09}" type="datetimeFigureOut">
               <a:rPr lang="en-US" smtClean="0"/>
               <a:pPr/>
-              <a:t>3/23/2016</a:t>
+              <a:t>10/27/2016</a:t>
             </a:fld>
             <a:endParaRPr lang="en-US"/>
           </a:p>
@@ -487,7 +487,7 @@
             <a:fld id="{1D8BD707-D9CF-40AE-B4C6-C98DA3205C09}" type="datetimeFigureOut">
               <a:rPr lang="en-US" smtClean="0"/>
               <a:pPr/>
-              <a:t>3/23/2016</a:t>
+              <a:t>10/27/2016</a:t>
             </a:fld>
             <a:endParaRPr lang="en-US"/>
           </a:p>
@@ -664,7 +664,7 @@
             <a:fld id="{1D8BD707-D9CF-40AE-B4C6-C98DA3205C09}" type="datetimeFigureOut">
               <a:rPr lang="en-US" smtClean="0"/>
               <a:pPr/>
-              <a:t>3/23/2016</a:t>
+              <a:t>10/27/2016</a:t>
             </a:fld>
             <a:endParaRPr lang="en-US"/>
           </a:p>
@@ -831,7 +831,7 @@
             <a:fld id="{1D8BD707-D9CF-40AE-B4C6-C98DA3205C09}" type="datetimeFigureOut">
               <a:rPr lang="en-US" smtClean="0"/>
               <a:pPr/>
-              <a:t>3/23/2016</a:t>
+              <a:t>10/27/2016</a:t>
             </a:fld>
             <a:endParaRPr lang="en-US"/>
           </a:p>
@@ -1074,7 +1074,7 @@
             <a:fld id="{1D8BD707-D9CF-40AE-B4C6-C98DA3205C09}" type="datetimeFigureOut">
               <a:rPr lang="en-US" smtClean="0"/>
               <a:pPr/>
-              <a:t>3/23/2016</a:t>
+              <a:t>10/27/2016</a:t>
             </a:fld>
             <a:endParaRPr lang="en-US"/>
           </a:p>
@@ -1359,7 +1359,7 @@
             <a:fld id="{1D8BD707-D9CF-40AE-B4C6-C98DA3205C09}" type="datetimeFigureOut">
               <a:rPr lang="en-US" smtClean="0"/>
               <a:pPr/>
-              <a:t>3/23/2016</a:t>
+              <a:t>10/27/2016</a:t>
             </a:fld>
             <a:endParaRPr lang="en-US"/>
           </a:p>
@@ -1778,7 +1778,7 @@
             <a:fld id="{1D8BD707-D9CF-40AE-B4C6-C98DA3205C09}" type="datetimeFigureOut">
               <a:rPr lang="en-US" smtClean="0"/>
               <a:pPr/>
-              <a:t>3/23/2016</a:t>
+              <a:t>10/27/2016</a:t>
             </a:fld>
             <a:endParaRPr lang="en-US"/>
           </a:p>
@@ -1893,7 +1893,7 @@
             <a:fld id="{1D8BD707-D9CF-40AE-B4C6-C98DA3205C09}" type="datetimeFigureOut">
               <a:rPr lang="en-US" smtClean="0"/>
               <a:pPr/>
-              <a:t>3/23/2016</a:t>
+              <a:t>10/27/2016</a:t>
             </a:fld>
             <a:endParaRPr lang="en-US"/>
           </a:p>
@@ -1985,7 +1985,7 @@
             <a:fld id="{1D8BD707-D9CF-40AE-B4C6-C98DA3205C09}" type="datetimeFigureOut">
               <a:rPr lang="en-US" smtClean="0"/>
               <a:pPr/>
-              <a:t>3/23/2016</a:t>
+              <a:t>10/27/2016</a:t>
             </a:fld>
             <a:endParaRPr lang="en-US"/>
           </a:p>
@@ -2259,7 +2259,7 @@
             <a:fld id="{1D8BD707-D9CF-40AE-B4C6-C98DA3205C09}" type="datetimeFigureOut">
               <a:rPr lang="en-US" smtClean="0"/>
               <a:pPr/>
-              <a:t>3/23/2016</a:t>
+              <a:t>10/27/2016</a:t>
             </a:fld>
             <a:endParaRPr lang="en-US"/>
           </a:p>
@@ -2509,7 +2509,7 @@
             <a:fld id="{1D8BD707-D9CF-40AE-B4C6-C98DA3205C09}" type="datetimeFigureOut">
               <a:rPr lang="en-US" smtClean="0"/>
               <a:pPr/>
-              <a:t>3/23/2016</a:t>
+              <a:t>10/27/2016</a:t>
             </a:fld>
             <a:endParaRPr lang="en-US"/>
           </a:p>
@@ -2719,7 +2719,7 @@
             <a:fld id="{1D8BD707-D9CF-40AE-B4C6-C98DA3205C09}" type="datetimeFigureOut">
               <a:rPr lang="en-US" smtClean="0"/>
               <a:pPr/>
-              <a:t>3/23/2016</a:t>
+              <a:t>10/27/2016</a:t>
             </a:fld>
             <a:endParaRPr lang="en-US"/>
           </a:p>
@@ -3496,7 +3496,12 @@
             <p:ph idx="1"/>
           </p:nvPr>
         </p:nvSpPr>
-        <p:spPr/>
+        <p:spPr>
+          <a:xfrm>
+            <a:off x="533400" y="1600200"/>
+            <a:ext cx="8229600" cy="4525963"/>
+          </a:xfrm>
+        </p:spPr>
         <p:txBody>
           <a:bodyPr>
             <a:normAutofit fontScale="70000" lnSpcReduction="20000"/>
@@ -5288,19 +5293,15 @@
           <a:p>
             <a:r>
               <a:rPr lang="sr-Latn-RS" dirty="0" smtClean="0"/>
-              <a:t>Zbog toga je </a:t>
+              <a:t>Zbog toga </a:t>
             </a:r>
             <a:r>
               <a:rPr lang="sr-Latn-RS" dirty="0" smtClean="0"/>
-              <a:t>implement</a:t>
+              <a:t>se aplikcije razvijaju</a:t>
             </a:r>
             <a:r>
               <a:rPr lang="sr-Latn-RS" dirty="0" smtClean="0"/>
-              <a:t>ir</a:t>
-            </a:r>
-            <a:r>
-              <a:rPr lang="sr-Latn-RS" dirty="0" smtClean="0"/>
-              <a:t>an </a:t>
+              <a:t> </a:t>
             </a:r>
             <a:r>
               <a:rPr lang="sr-Latn-RS" dirty="0" smtClean="0"/>
@@ -7601,17 +7602,10 @@
           </a:p>
           <a:p>
             <a:r>
-              <a:rPr lang="sr-Latn-RS" dirty="0" smtClean="0"/>
-              <a:t>Zbog toga je </a:t>
-            </a:r>
-            <a:r>
               <a:rPr lang="sr-Latn-RS" dirty="0"/>
-              <a:t>implementiran u </a:t>
-            </a:r>
-            <a:r>
-              <a:rPr lang="sr-Latn-RS" dirty="0" smtClean="0"/>
-              <a:t>JavaScript-u</a:t>
-            </a:r>
+              <a:t>Zbog toga se aplikcije razvijaju u JavaScript-u</a:t>
+            </a:r>
+            <a:endParaRPr lang="en-GB" dirty="0"/>
           </a:p>
           <a:p>
             <a:endParaRPr lang="sr-Latn-RS" dirty="0"/>
